--- a/Module 1/Project/CardioGoodFitnessProject.pptx
+++ b/Module 1/Project/CardioGoodFitnessProject.pptx
@@ -12,6 +12,14 @@
     <p:sldId id="260" r:id="rId6"/>
     <p:sldId id="261" r:id="rId7"/>
     <p:sldId id="262" r:id="rId8"/>
+    <p:sldId id="263" r:id="rId9"/>
+    <p:sldId id="264" r:id="rId10"/>
+    <p:sldId id="265" r:id="rId11"/>
+    <p:sldId id="266" r:id="rId12"/>
+    <p:sldId id="267" r:id="rId13"/>
+    <p:sldId id="268" r:id="rId14"/>
+    <p:sldId id="269" r:id="rId15"/>
+    <p:sldId id="270" r:id="rId16"/>
   </p:sldIdLst>
   <p:sldSz cx="12192000" cy="6858000"/>
   <p:notesSz cx="6858000" cy="9144000"/>
@@ -5858,6 +5866,1031 @@
 </p:sld>
 </file>
 
+<file path=ppt/slides/slide10.xml><?xml version="1.0" encoding="utf-8"?>
+<p:sld xmlns:a="http://schemas.openxmlformats.org/drawingml/2006/main" xmlns:r="http://schemas.openxmlformats.org/officeDocument/2006/relationships" xmlns:p="http://schemas.openxmlformats.org/presentationml/2006/main">
+  <p:cSld>
+    <p:spTree>
+      <p:nvGrpSpPr>
+        <p:cNvPr id="1" name=""/>
+        <p:cNvGrpSpPr/>
+        <p:nvPr/>
+      </p:nvGrpSpPr>
+      <p:grpSpPr>
+        <a:xfrm>
+          <a:off x="0" y="0"/>
+          <a:ext cx="0" cy="0"/>
+          <a:chOff x="0" y="0"/>
+          <a:chExt cx="0" cy="0"/>
+        </a:xfrm>
+      </p:grpSpPr>
+      <p:sp>
+        <p:nvSpPr>
+          <p:cNvPr id="2" name="Title 1">
+            <a:extLst>
+              <a:ext uri="{FF2B5EF4-FFF2-40B4-BE49-F238E27FC236}">
+                <a16:creationId xmlns:a16="http://schemas.microsoft.com/office/drawing/2014/main" id="{4B62A7E9-420E-0944-B45C-03CB53B6A674}"/>
+              </a:ext>
+            </a:extLst>
+          </p:cNvPr>
+          <p:cNvSpPr>
+            <a:spLocks noGrp="1"/>
+          </p:cNvSpPr>
+          <p:nvPr>
+            <p:ph type="title"/>
+          </p:nvPr>
+        </p:nvSpPr>
+        <p:spPr>
+          <a:xfrm>
+            <a:off x="258418" y="609600"/>
+            <a:ext cx="9541566" cy="692426"/>
+          </a:xfrm>
+        </p:spPr>
+        <p:txBody>
+          <a:bodyPr>
+            <a:normAutofit fontScale="90000"/>
+          </a:bodyPr>
+          <a:lstStyle/>
+          <a:p>
+            <a:r>
+              <a:rPr lang="en-US" dirty="0"/>
+              <a:t>Exploratory Data Analysis – Fitness Across Products</a:t>
+            </a:r>
+          </a:p>
+        </p:txBody>
+      </p:sp>
+      <p:sp>
+        <p:nvSpPr>
+          <p:cNvPr id="11" name="TextBox 10">
+            <a:extLst>
+              <a:ext uri="{FF2B5EF4-FFF2-40B4-BE49-F238E27FC236}">
+                <a16:creationId xmlns:a16="http://schemas.microsoft.com/office/drawing/2014/main" id="{5C2839B0-7F6A-6847-B6F0-C159FEA066A8}"/>
+              </a:ext>
+            </a:extLst>
+          </p:cNvPr>
+          <p:cNvSpPr txBox="1"/>
+          <p:nvPr/>
+        </p:nvSpPr>
+        <p:spPr>
+          <a:xfrm>
+            <a:off x="790162" y="5194907"/>
+            <a:ext cx="8408504" cy="1246495"/>
+          </a:xfrm>
+          <a:prstGeom prst="rect">
+            <a:avLst/>
+          </a:prstGeom>
+          <a:noFill/>
+        </p:spPr>
+        <p:txBody>
+          <a:bodyPr wrap="square" rtlCol="0">
+            <a:spAutoFit/>
+          </a:bodyPr>
+          <a:lstStyle/>
+          <a:p>
+            <a:r>
+              <a:rPr lang="en-US" sz="1500" dirty="0"/>
+              <a:t>Observations:</a:t>
+            </a:r>
+          </a:p>
+          <a:p>
+            <a:pPr marL="285750" indent="-285750">
+              <a:buFontTx/>
+              <a:buChar char="-"/>
+            </a:pPr>
+            <a:r>
+              <a:rPr lang="en-US" sz="1500" dirty="0"/>
+              <a:t>Continuing from the previous trend, users of the TM798 are highly fit</a:t>
+            </a:r>
+          </a:p>
+          <a:p>
+            <a:pPr marL="285750" indent="-285750">
+              <a:buFontTx/>
+              <a:buChar char="-"/>
+            </a:pPr>
+            <a:r>
+              <a:rPr lang="en-US" sz="1500" dirty="0"/>
+              <a:t>In general, users of the other two models are above average fitness, with a few outliers</a:t>
+            </a:r>
+          </a:p>
+          <a:p>
+            <a:endParaRPr lang="en-US" sz="1500" dirty="0"/>
+          </a:p>
+          <a:p>
+            <a:pPr marL="285750" indent="-285750">
+              <a:buFontTx/>
+              <a:buChar char="-"/>
+            </a:pPr>
+            <a:endParaRPr lang="en-US" sz="1500" dirty="0"/>
+          </a:p>
+        </p:txBody>
+      </p:sp>
+      <p:pic>
+        <p:nvPicPr>
+          <p:cNvPr id="5" name="Picture 4" descr="Chart, box and whisker chart&#10;&#10;Description automatically generated">
+            <a:extLst>
+              <a:ext uri="{FF2B5EF4-FFF2-40B4-BE49-F238E27FC236}">
+                <a16:creationId xmlns:a16="http://schemas.microsoft.com/office/drawing/2014/main" id="{417B2177-5590-3146-A28C-255BD96F981D}"/>
+              </a:ext>
+            </a:extLst>
+          </p:cNvPr>
+          <p:cNvPicPr>
+            <a:picLocks noChangeAspect="1"/>
+          </p:cNvPicPr>
+          <p:nvPr/>
+        </p:nvPicPr>
+        <p:blipFill>
+          <a:blip r:embed="rId2"/>
+          <a:stretch>
+            <a:fillRect/>
+          </a:stretch>
+        </p:blipFill>
+        <p:spPr>
+          <a:xfrm>
+            <a:off x="1217348" y="1302026"/>
+            <a:ext cx="7623706" cy="3769542"/>
+          </a:xfrm>
+          <a:prstGeom prst="rect">
+            <a:avLst/>
+          </a:prstGeom>
+        </p:spPr>
+      </p:pic>
+    </p:spTree>
+    <p:extLst>
+      <p:ext uri="{BB962C8B-B14F-4D97-AF65-F5344CB8AC3E}">
+        <p14:creationId xmlns:p14="http://schemas.microsoft.com/office/powerpoint/2010/main" val="3606672489"/>
+      </p:ext>
+    </p:extLst>
+  </p:cSld>
+  <p:clrMapOvr>
+    <a:masterClrMapping/>
+  </p:clrMapOvr>
+</p:sld>
+</file>
+
+<file path=ppt/slides/slide11.xml><?xml version="1.0" encoding="utf-8"?>
+<p:sld xmlns:a="http://schemas.openxmlformats.org/drawingml/2006/main" xmlns:r="http://schemas.openxmlformats.org/officeDocument/2006/relationships" xmlns:p="http://schemas.openxmlformats.org/presentationml/2006/main">
+  <p:cSld>
+    <p:spTree>
+      <p:nvGrpSpPr>
+        <p:cNvPr id="1" name=""/>
+        <p:cNvGrpSpPr/>
+        <p:nvPr/>
+      </p:nvGrpSpPr>
+      <p:grpSpPr>
+        <a:xfrm>
+          <a:off x="0" y="0"/>
+          <a:ext cx="0" cy="0"/>
+          <a:chOff x="0" y="0"/>
+          <a:chExt cx="0" cy="0"/>
+        </a:xfrm>
+      </p:grpSpPr>
+      <p:sp>
+        <p:nvSpPr>
+          <p:cNvPr id="2" name="Title 1">
+            <a:extLst>
+              <a:ext uri="{FF2B5EF4-FFF2-40B4-BE49-F238E27FC236}">
+                <a16:creationId xmlns:a16="http://schemas.microsoft.com/office/drawing/2014/main" id="{4B62A7E9-420E-0944-B45C-03CB53B6A674}"/>
+              </a:ext>
+            </a:extLst>
+          </p:cNvPr>
+          <p:cNvSpPr>
+            <a:spLocks noGrp="1"/>
+          </p:cNvSpPr>
+          <p:nvPr>
+            <p:ph type="title"/>
+          </p:nvPr>
+        </p:nvSpPr>
+        <p:spPr>
+          <a:xfrm>
+            <a:off x="258418" y="609600"/>
+            <a:ext cx="9541566" cy="692426"/>
+          </a:xfrm>
+        </p:spPr>
+        <p:txBody>
+          <a:bodyPr>
+            <a:normAutofit fontScale="90000"/>
+          </a:bodyPr>
+          <a:lstStyle/>
+          <a:p>
+            <a:r>
+              <a:rPr lang="en-US" dirty="0"/>
+              <a:t>Exploratory Data Analysis – Miles Across Products</a:t>
+            </a:r>
+          </a:p>
+        </p:txBody>
+      </p:sp>
+      <p:sp>
+        <p:nvSpPr>
+          <p:cNvPr id="11" name="TextBox 10">
+            <a:extLst>
+              <a:ext uri="{FF2B5EF4-FFF2-40B4-BE49-F238E27FC236}">
+                <a16:creationId xmlns:a16="http://schemas.microsoft.com/office/drawing/2014/main" id="{5C2839B0-7F6A-6847-B6F0-C159FEA066A8}"/>
+              </a:ext>
+            </a:extLst>
+          </p:cNvPr>
+          <p:cNvSpPr txBox="1"/>
+          <p:nvPr/>
+        </p:nvSpPr>
+        <p:spPr>
+          <a:xfrm>
+            <a:off x="790162" y="5194907"/>
+            <a:ext cx="8408504" cy="1246495"/>
+          </a:xfrm>
+          <a:prstGeom prst="rect">
+            <a:avLst/>
+          </a:prstGeom>
+          <a:noFill/>
+        </p:spPr>
+        <p:txBody>
+          <a:bodyPr wrap="square" rtlCol="0">
+            <a:spAutoFit/>
+          </a:bodyPr>
+          <a:lstStyle/>
+          <a:p>
+            <a:r>
+              <a:rPr lang="en-US" sz="1500" dirty="0"/>
+              <a:t>Observations:</a:t>
+            </a:r>
+          </a:p>
+          <a:p>
+            <a:pPr marL="285750" indent="-285750">
+              <a:buFontTx/>
+              <a:buChar char="-"/>
+            </a:pPr>
+            <a:r>
+              <a:rPr lang="en-US" sz="1500" dirty="0"/>
+              <a:t>Following up on the previous trends, the TM798 is extremely popular with high mileage customers</a:t>
+            </a:r>
+          </a:p>
+          <a:p>
+            <a:pPr marL="285750" indent="-285750">
+              <a:buFontTx/>
+              <a:buChar char="-"/>
+            </a:pPr>
+            <a:r>
+              <a:rPr lang="en-US" sz="1500" dirty="0"/>
+              <a:t>The other two products sell quite well with customers that run more modest mileages</a:t>
+            </a:r>
+          </a:p>
+          <a:p>
+            <a:pPr marL="285750" indent="-285750">
+              <a:buFontTx/>
+              <a:buChar char="-"/>
+            </a:pPr>
+            <a:endParaRPr lang="en-US" sz="1500" dirty="0"/>
+          </a:p>
+        </p:txBody>
+      </p:sp>
+      <p:pic>
+        <p:nvPicPr>
+          <p:cNvPr id="4" name="Picture 3" descr="Chart, box and whisker chart&#10;&#10;Description automatically generated">
+            <a:extLst>
+              <a:ext uri="{FF2B5EF4-FFF2-40B4-BE49-F238E27FC236}">
+                <a16:creationId xmlns:a16="http://schemas.microsoft.com/office/drawing/2014/main" id="{3769C73F-3C9E-AA47-9D52-22E2F9746D42}"/>
+              </a:ext>
+            </a:extLst>
+          </p:cNvPr>
+          <p:cNvPicPr>
+            <a:picLocks noChangeAspect="1"/>
+          </p:cNvPicPr>
+          <p:nvPr/>
+        </p:nvPicPr>
+        <p:blipFill>
+          <a:blip r:embed="rId2"/>
+          <a:stretch>
+            <a:fillRect/>
+          </a:stretch>
+        </p:blipFill>
+        <p:spPr>
+          <a:xfrm>
+            <a:off x="996399" y="1302026"/>
+            <a:ext cx="7996030" cy="3953816"/>
+          </a:xfrm>
+          <a:prstGeom prst="rect">
+            <a:avLst/>
+          </a:prstGeom>
+        </p:spPr>
+      </p:pic>
+    </p:spTree>
+    <p:extLst>
+      <p:ext uri="{BB962C8B-B14F-4D97-AF65-F5344CB8AC3E}">
+        <p14:creationId xmlns:p14="http://schemas.microsoft.com/office/powerpoint/2010/main" val="4140509752"/>
+      </p:ext>
+    </p:extLst>
+  </p:cSld>
+  <p:clrMapOvr>
+    <a:masterClrMapping/>
+  </p:clrMapOvr>
+</p:sld>
+</file>
+
+<file path=ppt/slides/slide12.xml><?xml version="1.0" encoding="utf-8"?>
+<p:sld xmlns:a="http://schemas.openxmlformats.org/drawingml/2006/main" xmlns:r="http://schemas.openxmlformats.org/officeDocument/2006/relationships" xmlns:p="http://schemas.openxmlformats.org/presentationml/2006/main">
+  <p:cSld>
+    <p:spTree>
+      <p:nvGrpSpPr>
+        <p:cNvPr id="1" name=""/>
+        <p:cNvGrpSpPr/>
+        <p:nvPr/>
+      </p:nvGrpSpPr>
+      <p:grpSpPr>
+        <a:xfrm>
+          <a:off x="0" y="0"/>
+          <a:ext cx="0" cy="0"/>
+          <a:chOff x="0" y="0"/>
+          <a:chExt cx="0" cy="0"/>
+        </a:xfrm>
+      </p:grpSpPr>
+      <p:sp>
+        <p:nvSpPr>
+          <p:cNvPr id="2" name="Title 1">
+            <a:extLst>
+              <a:ext uri="{FF2B5EF4-FFF2-40B4-BE49-F238E27FC236}">
+                <a16:creationId xmlns:a16="http://schemas.microsoft.com/office/drawing/2014/main" id="{4B62A7E9-420E-0944-B45C-03CB53B6A674}"/>
+              </a:ext>
+            </a:extLst>
+          </p:cNvPr>
+          <p:cNvSpPr>
+            <a:spLocks noGrp="1"/>
+          </p:cNvSpPr>
+          <p:nvPr>
+            <p:ph type="title"/>
+          </p:nvPr>
+        </p:nvSpPr>
+        <p:spPr>
+          <a:xfrm>
+            <a:off x="258418" y="609600"/>
+            <a:ext cx="9541566" cy="692426"/>
+          </a:xfrm>
+        </p:spPr>
+        <p:txBody>
+          <a:bodyPr>
+            <a:normAutofit/>
+          </a:bodyPr>
+          <a:lstStyle/>
+          <a:p>
+            <a:r>
+              <a:rPr lang="en-US" dirty="0"/>
+              <a:t>Exploratory Data Analysis – Gender Analysis</a:t>
+            </a:r>
+          </a:p>
+        </p:txBody>
+      </p:sp>
+      <p:sp>
+        <p:nvSpPr>
+          <p:cNvPr id="11" name="TextBox 10">
+            <a:extLst>
+              <a:ext uri="{FF2B5EF4-FFF2-40B4-BE49-F238E27FC236}">
+                <a16:creationId xmlns:a16="http://schemas.microsoft.com/office/drawing/2014/main" id="{5C2839B0-7F6A-6847-B6F0-C159FEA066A8}"/>
+              </a:ext>
+            </a:extLst>
+          </p:cNvPr>
+          <p:cNvSpPr txBox="1"/>
+          <p:nvPr/>
+        </p:nvSpPr>
+        <p:spPr>
+          <a:xfrm>
+            <a:off x="5421775" y="1387881"/>
+            <a:ext cx="4219162" cy="1246495"/>
+          </a:xfrm>
+          <a:prstGeom prst="rect">
+            <a:avLst/>
+          </a:prstGeom>
+          <a:noFill/>
+        </p:spPr>
+        <p:txBody>
+          <a:bodyPr wrap="square" rtlCol="0">
+            <a:spAutoFit/>
+          </a:bodyPr>
+          <a:lstStyle/>
+          <a:p>
+            <a:r>
+              <a:rPr lang="en-US" sz="1500" dirty="0"/>
+              <a:t>Observations:</a:t>
+            </a:r>
+          </a:p>
+          <a:p>
+            <a:pPr marL="285750" indent="-285750">
+              <a:buFontTx/>
+              <a:buChar char="-"/>
+            </a:pPr>
+            <a:r>
+              <a:rPr lang="en-US" sz="1500" dirty="0"/>
+              <a:t>No obvious trend emerges from gender; male and female stats appear similar</a:t>
+            </a:r>
+          </a:p>
+          <a:p>
+            <a:pPr marL="285750" indent="-285750">
+              <a:buFontTx/>
+              <a:buChar char="-"/>
+            </a:pPr>
+            <a:r>
+              <a:rPr lang="en-US" sz="1500" dirty="0"/>
+              <a:t>As shown previously, the TM798 is the most popular product for our key variables</a:t>
+            </a:r>
+          </a:p>
+        </p:txBody>
+      </p:sp>
+      <p:pic>
+        <p:nvPicPr>
+          <p:cNvPr id="5" name="Picture 4" descr="Chart, box and whisker chart&#10;&#10;Description automatically generated">
+            <a:extLst>
+              <a:ext uri="{FF2B5EF4-FFF2-40B4-BE49-F238E27FC236}">
+                <a16:creationId xmlns:a16="http://schemas.microsoft.com/office/drawing/2014/main" id="{A2408399-5567-924D-A394-EE9547290E7F}"/>
+              </a:ext>
+            </a:extLst>
+          </p:cNvPr>
+          <p:cNvPicPr>
+            <a:picLocks noChangeAspect="1"/>
+          </p:cNvPicPr>
+          <p:nvPr/>
+        </p:nvPicPr>
+        <p:blipFill>
+          <a:blip r:embed="rId2"/>
+          <a:stretch>
+            <a:fillRect/>
+          </a:stretch>
+        </p:blipFill>
+        <p:spPr>
+          <a:xfrm>
+            <a:off x="177800" y="1313071"/>
+            <a:ext cx="5243975" cy="1778000"/>
+          </a:xfrm>
+          <a:prstGeom prst="rect">
+            <a:avLst/>
+          </a:prstGeom>
+        </p:spPr>
+      </p:pic>
+      <p:pic>
+        <p:nvPicPr>
+          <p:cNvPr id="7" name="Picture 6" descr="Chart, box and whisker chart&#10;&#10;Description automatically generated">
+            <a:extLst>
+              <a:ext uri="{FF2B5EF4-FFF2-40B4-BE49-F238E27FC236}">
+                <a16:creationId xmlns:a16="http://schemas.microsoft.com/office/drawing/2014/main" id="{3BDB0B19-1699-4E4C-8F70-CB0BE324F2ED}"/>
+              </a:ext>
+            </a:extLst>
+          </p:cNvPr>
+          <p:cNvPicPr>
+            <a:picLocks noChangeAspect="1"/>
+          </p:cNvPicPr>
+          <p:nvPr/>
+        </p:nvPicPr>
+        <p:blipFill>
+          <a:blip r:embed="rId3"/>
+          <a:stretch>
+            <a:fillRect/>
+          </a:stretch>
+        </p:blipFill>
+        <p:spPr>
+          <a:xfrm>
+            <a:off x="352852" y="3101010"/>
+            <a:ext cx="5068923" cy="1758950"/>
+          </a:xfrm>
+          <a:prstGeom prst="rect">
+            <a:avLst/>
+          </a:prstGeom>
+        </p:spPr>
+      </p:pic>
+      <p:pic>
+        <p:nvPicPr>
+          <p:cNvPr id="9" name="Picture 8" descr="Chart, box and whisker chart&#10;&#10;Description automatically generated">
+            <a:extLst>
+              <a:ext uri="{FF2B5EF4-FFF2-40B4-BE49-F238E27FC236}">
+                <a16:creationId xmlns:a16="http://schemas.microsoft.com/office/drawing/2014/main" id="{00CDA602-9D5F-2E46-B975-0BAA1B97DD0A}"/>
+              </a:ext>
+            </a:extLst>
+          </p:cNvPr>
+          <p:cNvPicPr>
+            <a:picLocks noChangeAspect="1"/>
+          </p:cNvPicPr>
+          <p:nvPr/>
+        </p:nvPicPr>
+        <p:blipFill>
+          <a:blip r:embed="rId4"/>
+          <a:stretch>
+            <a:fillRect/>
+          </a:stretch>
+        </p:blipFill>
+        <p:spPr>
+          <a:xfrm>
+            <a:off x="356999" y="4859960"/>
+            <a:ext cx="5064776" cy="1778000"/>
+          </a:xfrm>
+          <a:prstGeom prst="rect">
+            <a:avLst/>
+          </a:prstGeom>
+        </p:spPr>
+      </p:pic>
+    </p:spTree>
+    <p:extLst>
+      <p:ext uri="{BB962C8B-B14F-4D97-AF65-F5344CB8AC3E}">
+        <p14:creationId xmlns:p14="http://schemas.microsoft.com/office/powerpoint/2010/main" val="706982684"/>
+      </p:ext>
+    </p:extLst>
+  </p:cSld>
+  <p:clrMapOvr>
+    <a:masterClrMapping/>
+  </p:clrMapOvr>
+</p:sld>
+</file>
+
+<file path=ppt/slides/slide13.xml><?xml version="1.0" encoding="utf-8"?>
+<p:sld xmlns:a="http://schemas.openxmlformats.org/drawingml/2006/main" xmlns:r="http://schemas.openxmlformats.org/officeDocument/2006/relationships" xmlns:p="http://schemas.openxmlformats.org/presentationml/2006/main">
+  <p:cSld>
+    <p:spTree>
+      <p:nvGrpSpPr>
+        <p:cNvPr id="1" name=""/>
+        <p:cNvGrpSpPr/>
+        <p:nvPr/>
+      </p:nvGrpSpPr>
+      <p:grpSpPr>
+        <a:xfrm>
+          <a:off x="0" y="0"/>
+          <a:ext cx="0" cy="0"/>
+          <a:chOff x="0" y="0"/>
+          <a:chExt cx="0" cy="0"/>
+        </a:xfrm>
+      </p:grpSpPr>
+      <p:sp>
+        <p:nvSpPr>
+          <p:cNvPr id="2" name="Title 1">
+            <a:extLst>
+              <a:ext uri="{FF2B5EF4-FFF2-40B4-BE49-F238E27FC236}">
+                <a16:creationId xmlns:a16="http://schemas.microsoft.com/office/drawing/2014/main" id="{4B62A7E9-420E-0944-B45C-03CB53B6A674}"/>
+              </a:ext>
+            </a:extLst>
+          </p:cNvPr>
+          <p:cNvSpPr>
+            <a:spLocks noGrp="1"/>
+          </p:cNvSpPr>
+          <p:nvPr>
+            <p:ph type="title"/>
+          </p:nvPr>
+        </p:nvSpPr>
+        <p:spPr>
+          <a:xfrm>
+            <a:off x="258418" y="609600"/>
+            <a:ext cx="9541566" cy="692426"/>
+          </a:xfrm>
+        </p:spPr>
+        <p:txBody>
+          <a:bodyPr>
+            <a:normAutofit fontScale="90000"/>
+          </a:bodyPr>
+          <a:lstStyle/>
+          <a:p>
+            <a:r>
+              <a:rPr lang="en-US" dirty="0"/>
+              <a:t>Exploratory Data Analysis – Marital Status Analysis</a:t>
+            </a:r>
+          </a:p>
+        </p:txBody>
+      </p:sp>
+      <p:sp>
+        <p:nvSpPr>
+          <p:cNvPr id="11" name="TextBox 10">
+            <a:extLst>
+              <a:ext uri="{FF2B5EF4-FFF2-40B4-BE49-F238E27FC236}">
+                <a16:creationId xmlns:a16="http://schemas.microsoft.com/office/drawing/2014/main" id="{5C2839B0-7F6A-6847-B6F0-C159FEA066A8}"/>
+              </a:ext>
+            </a:extLst>
+          </p:cNvPr>
+          <p:cNvSpPr txBox="1"/>
+          <p:nvPr/>
+        </p:nvSpPr>
+        <p:spPr>
+          <a:xfrm>
+            <a:off x="5421774" y="1387881"/>
+            <a:ext cx="4378209" cy="1708160"/>
+          </a:xfrm>
+          <a:prstGeom prst="rect">
+            <a:avLst/>
+          </a:prstGeom>
+          <a:noFill/>
+        </p:spPr>
+        <p:txBody>
+          <a:bodyPr wrap="square" rtlCol="0">
+            <a:spAutoFit/>
+          </a:bodyPr>
+          <a:lstStyle/>
+          <a:p>
+            <a:r>
+              <a:rPr lang="en-US" sz="1500" dirty="0"/>
+              <a:t>Observations:</a:t>
+            </a:r>
+          </a:p>
+          <a:p>
+            <a:pPr marL="285750" indent="-285750">
+              <a:buFontTx/>
+              <a:buChar char="-"/>
+            </a:pPr>
+            <a:r>
+              <a:rPr lang="en-US" sz="1500" dirty="0"/>
+              <a:t>Despite being the lowest selling model, the TM798 is hugely correlated with highly fit customers</a:t>
+            </a:r>
+          </a:p>
+          <a:p>
+            <a:pPr marL="285750" indent="-285750">
+              <a:buFontTx/>
+              <a:buChar char="-"/>
+            </a:pPr>
+            <a:r>
+              <a:rPr lang="en-US" sz="1500" dirty="0"/>
+              <a:t>Even though the TM498 has lower sales than the TM195, they share the same popular customer profile</a:t>
+            </a:r>
+          </a:p>
+        </p:txBody>
+      </p:sp>
+      <p:pic>
+        <p:nvPicPr>
+          <p:cNvPr id="4" name="Picture 3" descr="Chart, box and whisker chart&#10;&#10;Description automatically generated">
+            <a:extLst>
+              <a:ext uri="{FF2B5EF4-FFF2-40B4-BE49-F238E27FC236}">
+                <a16:creationId xmlns:a16="http://schemas.microsoft.com/office/drawing/2014/main" id="{1B5334BB-FC37-4244-9F8B-1B15645F578D}"/>
+              </a:ext>
+            </a:extLst>
+          </p:cNvPr>
+          <p:cNvPicPr>
+            <a:picLocks noChangeAspect="1"/>
+          </p:cNvPicPr>
+          <p:nvPr/>
+        </p:nvPicPr>
+        <p:blipFill>
+          <a:blip r:embed="rId2"/>
+          <a:stretch>
+            <a:fillRect/>
+          </a:stretch>
+        </p:blipFill>
+        <p:spPr>
+          <a:xfrm>
+            <a:off x="258418" y="1387881"/>
+            <a:ext cx="5076643" cy="1765300"/>
+          </a:xfrm>
+          <a:prstGeom prst="rect">
+            <a:avLst/>
+          </a:prstGeom>
+        </p:spPr>
+      </p:pic>
+      <p:pic>
+        <p:nvPicPr>
+          <p:cNvPr id="8" name="Picture 7" descr="Chart, box and whisker chart&#10;&#10;Description automatically generated">
+            <a:extLst>
+              <a:ext uri="{FF2B5EF4-FFF2-40B4-BE49-F238E27FC236}">
+                <a16:creationId xmlns:a16="http://schemas.microsoft.com/office/drawing/2014/main" id="{CE34E6BB-9384-174E-AC8A-B20B38F8C688}"/>
+              </a:ext>
+            </a:extLst>
+          </p:cNvPr>
+          <p:cNvPicPr>
+            <a:picLocks noChangeAspect="1"/>
+          </p:cNvPicPr>
+          <p:nvPr/>
+        </p:nvPicPr>
+        <p:blipFill>
+          <a:blip r:embed="rId3"/>
+          <a:stretch>
+            <a:fillRect/>
+          </a:stretch>
+        </p:blipFill>
+        <p:spPr>
+          <a:xfrm>
+            <a:off x="318481" y="3153181"/>
+            <a:ext cx="5016580" cy="1765300"/>
+          </a:xfrm>
+          <a:prstGeom prst="rect">
+            <a:avLst/>
+          </a:prstGeom>
+        </p:spPr>
+      </p:pic>
+      <p:pic>
+        <p:nvPicPr>
+          <p:cNvPr id="12" name="Picture 11" descr="Chart, box and whisker chart&#10;&#10;Description automatically generated">
+            <a:extLst>
+              <a:ext uri="{FF2B5EF4-FFF2-40B4-BE49-F238E27FC236}">
+                <a16:creationId xmlns:a16="http://schemas.microsoft.com/office/drawing/2014/main" id="{69BA8F2B-809E-274B-A0E0-E5C31DF343F7}"/>
+              </a:ext>
+            </a:extLst>
+          </p:cNvPr>
+          <p:cNvPicPr>
+            <a:picLocks noChangeAspect="1"/>
+          </p:cNvPicPr>
+          <p:nvPr/>
+        </p:nvPicPr>
+        <p:blipFill>
+          <a:blip r:embed="rId4"/>
+          <a:stretch>
+            <a:fillRect/>
+          </a:stretch>
+        </p:blipFill>
+        <p:spPr>
+          <a:xfrm>
+            <a:off x="376292" y="4918481"/>
+            <a:ext cx="4958769" cy="1749831"/>
+          </a:xfrm>
+          <a:prstGeom prst="rect">
+            <a:avLst/>
+          </a:prstGeom>
+        </p:spPr>
+      </p:pic>
+    </p:spTree>
+    <p:extLst>
+      <p:ext uri="{BB962C8B-B14F-4D97-AF65-F5344CB8AC3E}">
+        <p14:creationId xmlns:p14="http://schemas.microsoft.com/office/powerpoint/2010/main" val="1974309599"/>
+      </p:ext>
+    </p:extLst>
+  </p:cSld>
+  <p:clrMapOvr>
+    <a:masterClrMapping/>
+  </p:clrMapOvr>
+</p:sld>
+</file>
+
+<file path=ppt/slides/slide14.xml><?xml version="1.0" encoding="utf-8"?>
+<p:sld xmlns:a="http://schemas.openxmlformats.org/drawingml/2006/main" xmlns:r="http://schemas.openxmlformats.org/officeDocument/2006/relationships" xmlns:p="http://schemas.openxmlformats.org/presentationml/2006/main">
+  <p:cSld>
+    <p:spTree>
+      <p:nvGrpSpPr>
+        <p:cNvPr id="1" name=""/>
+        <p:cNvGrpSpPr/>
+        <p:nvPr/>
+      </p:nvGrpSpPr>
+      <p:grpSpPr>
+        <a:xfrm>
+          <a:off x="0" y="0"/>
+          <a:ext cx="0" cy="0"/>
+          <a:chOff x="0" y="0"/>
+          <a:chExt cx="0" cy="0"/>
+        </a:xfrm>
+      </p:grpSpPr>
+      <p:sp>
+        <p:nvSpPr>
+          <p:cNvPr id="2" name="Title 1">
+            <a:extLst>
+              <a:ext uri="{FF2B5EF4-FFF2-40B4-BE49-F238E27FC236}">
+                <a16:creationId xmlns:a16="http://schemas.microsoft.com/office/drawing/2014/main" id="{6E85BD93-2678-3148-B6C5-213AAF677A21}"/>
+              </a:ext>
+            </a:extLst>
+          </p:cNvPr>
+          <p:cNvSpPr>
+            <a:spLocks noGrp="1"/>
+          </p:cNvSpPr>
+          <p:nvPr>
+            <p:ph type="title"/>
+          </p:nvPr>
+        </p:nvSpPr>
+        <p:spPr/>
+        <p:txBody>
+          <a:bodyPr/>
+          <a:lstStyle/>
+          <a:p>
+            <a:r>
+              <a:rPr lang="en-US" dirty="0"/>
+              <a:t>Conclusion</a:t>
+            </a:r>
+          </a:p>
+        </p:txBody>
+      </p:sp>
+      <p:sp>
+        <p:nvSpPr>
+          <p:cNvPr id="3" name="Content Placeholder 2">
+            <a:extLst>
+              <a:ext uri="{FF2B5EF4-FFF2-40B4-BE49-F238E27FC236}">
+                <a16:creationId xmlns:a16="http://schemas.microsoft.com/office/drawing/2014/main" id="{3D4F6277-266B-C44E-A2FC-486AF2277E8B}"/>
+              </a:ext>
+            </a:extLst>
+          </p:cNvPr>
+          <p:cNvSpPr>
+            <a:spLocks noGrp="1"/>
+          </p:cNvSpPr>
+          <p:nvPr>
+            <p:ph idx="1"/>
+          </p:nvPr>
+        </p:nvSpPr>
+        <p:spPr/>
+        <p:txBody>
+          <a:bodyPr>
+            <a:normAutofit fontScale="92500" lnSpcReduction="20000"/>
+          </a:bodyPr>
+          <a:lstStyle/>
+          <a:p>
+            <a:pPr marL="0" indent="0">
+              <a:buNone/>
+            </a:pPr>
+            <a:r>
+              <a:rPr lang="en-US" dirty="0"/>
+              <a:t>Cardio Good Fitness provided data on the demographics of 180 customers who bought one of three treadmills. The data contained information about gender, age, marital status, fitness level/usage, education, and income. After exploratory data analysis the following conclusions were drawn:</a:t>
+            </a:r>
+          </a:p>
+          <a:p>
+            <a:pPr marL="0" indent="0">
+              <a:buNone/>
+            </a:pPr>
+            <a:endParaRPr lang="en-US" dirty="0"/>
+          </a:p>
+          <a:p>
+            <a:pPr marL="0" indent="0">
+              <a:buNone/>
+            </a:pPr>
+            <a:r>
+              <a:rPr lang="en-US" dirty="0"/>
+              <a:t>1. The average customer is a college educated young adult (18-33) who is already in average shape or better</a:t>
+            </a:r>
+          </a:p>
+          <a:p>
+            <a:pPr marL="0" indent="0">
+              <a:buNone/>
+            </a:pPr>
+            <a:r>
+              <a:rPr lang="en-US" dirty="0"/>
+              <a:t>2. Age had a strong negative correlation with every variable except income</a:t>
+            </a:r>
+          </a:p>
+          <a:p>
+            <a:pPr marL="0" indent="0">
+              <a:buNone/>
+            </a:pPr>
+            <a:r>
+              <a:rPr lang="en-US" dirty="0"/>
+              <a:t>3. Aside from Fitness/Usage/Miles, there were no other strong correlations in the data</a:t>
+            </a:r>
+          </a:p>
+          <a:p>
+            <a:pPr marL="0" indent="0">
+              <a:buNone/>
+            </a:pPr>
+            <a:r>
+              <a:rPr lang="en-US" dirty="0"/>
+              <a:t>4. Despite having the lowest sales, the TM798 correlates very strongly with the most fit customers</a:t>
+            </a:r>
+          </a:p>
+          <a:p>
+            <a:pPr marL="0" indent="0">
+              <a:buNone/>
+            </a:pPr>
+            <a:r>
+              <a:rPr lang="en-US" dirty="0"/>
+              <a:t>5. Although the TM195 has higher sales than the TM498, they share a similar target customer and therefore may be competing against each other</a:t>
+            </a:r>
+          </a:p>
+        </p:txBody>
+      </p:sp>
+    </p:spTree>
+    <p:extLst>
+      <p:ext uri="{BB962C8B-B14F-4D97-AF65-F5344CB8AC3E}">
+        <p14:creationId xmlns:p14="http://schemas.microsoft.com/office/powerpoint/2010/main" val="2521680517"/>
+      </p:ext>
+    </p:extLst>
+  </p:cSld>
+  <p:clrMapOvr>
+    <a:masterClrMapping/>
+  </p:clrMapOvr>
+</p:sld>
+</file>
+
+<file path=ppt/slides/slide15.xml><?xml version="1.0" encoding="utf-8"?>
+<p:sld xmlns:a="http://schemas.openxmlformats.org/drawingml/2006/main" xmlns:r="http://schemas.openxmlformats.org/officeDocument/2006/relationships" xmlns:p="http://schemas.openxmlformats.org/presentationml/2006/main">
+  <p:cSld>
+    <p:spTree>
+      <p:nvGrpSpPr>
+        <p:cNvPr id="1" name=""/>
+        <p:cNvGrpSpPr/>
+        <p:nvPr/>
+      </p:nvGrpSpPr>
+      <p:grpSpPr>
+        <a:xfrm>
+          <a:off x="0" y="0"/>
+          <a:ext cx="0" cy="0"/>
+          <a:chOff x="0" y="0"/>
+          <a:chExt cx="0" cy="0"/>
+        </a:xfrm>
+      </p:grpSpPr>
+      <p:sp>
+        <p:nvSpPr>
+          <p:cNvPr id="2" name="Title 1">
+            <a:extLst>
+              <a:ext uri="{FF2B5EF4-FFF2-40B4-BE49-F238E27FC236}">
+                <a16:creationId xmlns:a16="http://schemas.microsoft.com/office/drawing/2014/main" id="{6E85BD93-2678-3148-B6C5-213AAF677A21}"/>
+              </a:ext>
+            </a:extLst>
+          </p:cNvPr>
+          <p:cNvSpPr>
+            <a:spLocks noGrp="1"/>
+          </p:cNvSpPr>
+          <p:nvPr>
+            <p:ph type="title"/>
+          </p:nvPr>
+        </p:nvSpPr>
+        <p:spPr>
+          <a:xfrm>
+            <a:off x="677334" y="609600"/>
+            <a:ext cx="8596668" cy="682487"/>
+          </a:xfrm>
+        </p:spPr>
+        <p:txBody>
+          <a:bodyPr/>
+          <a:lstStyle/>
+          <a:p>
+            <a:r>
+              <a:rPr lang="en-US" dirty="0"/>
+              <a:t>Recommendations</a:t>
+            </a:r>
+          </a:p>
+        </p:txBody>
+      </p:sp>
+      <p:sp>
+        <p:nvSpPr>
+          <p:cNvPr id="3" name="Content Placeholder 2">
+            <a:extLst>
+              <a:ext uri="{FF2B5EF4-FFF2-40B4-BE49-F238E27FC236}">
+                <a16:creationId xmlns:a16="http://schemas.microsoft.com/office/drawing/2014/main" id="{3D4F6277-266B-C44E-A2FC-486AF2277E8B}"/>
+              </a:ext>
+            </a:extLst>
+          </p:cNvPr>
+          <p:cNvSpPr>
+            <a:spLocks noGrp="1"/>
+          </p:cNvSpPr>
+          <p:nvPr>
+            <p:ph idx="1"/>
+          </p:nvPr>
+        </p:nvSpPr>
+        <p:spPr>
+          <a:xfrm>
+            <a:off x="677334" y="1401417"/>
+            <a:ext cx="8596668" cy="4639945"/>
+          </a:xfrm>
+        </p:spPr>
+        <p:txBody>
+          <a:bodyPr>
+            <a:normAutofit fontScale="92500" lnSpcReduction="10000"/>
+          </a:bodyPr>
+          <a:lstStyle/>
+          <a:p>
+            <a:pPr marL="0" indent="0">
+              <a:buNone/>
+            </a:pPr>
+            <a:r>
+              <a:rPr lang="en-US" dirty="0"/>
+              <a:t>1. The TM798 sells poorly, but is very popular with serious athletes. Stronger marketing efforts for this product could increase sales</a:t>
+            </a:r>
+          </a:p>
+          <a:p>
+            <a:pPr marL="0" indent="0">
+              <a:buNone/>
+            </a:pPr>
+            <a:r>
+              <a:rPr lang="en-US" dirty="0"/>
+              <a:t>2. The vast majority of customers are 33 years old or under. Marketing a product that is more suitable for older users could help capture a larger market.</a:t>
+            </a:r>
+          </a:p>
+          <a:p>
+            <a:pPr marL="0" indent="0">
+              <a:buNone/>
+            </a:pPr>
+            <a:r>
+              <a:rPr lang="en-US" dirty="0"/>
+              <a:t>3. The TM195 and TM498 seem to share very strong correlations with key variables (fitness/usage/miles). With the TM195 outperforming the sales of the TM498, it may be worth rebranding one to distinguish it to a different demographic (perhaps to an older clientele?)</a:t>
+            </a:r>
+          </a:p>
+          <a:p>
+            <a:pPr marL="0" indent="0">
+              <a:buNone/>
+            </a:pPr>
+            <a:r>
+              <a:rPr lang="en-US" dirty="0"/>
+              <a:t>4. The median income of customers was $50,596 per year. There were also no strong correlations with income, suggesting that these products are widely popular. It could be beneficial to market either a premium treadmill to higher earners, or a budget treadmill to low earners (or perhaps both!)</a:t>
+            </a:r>
+          </a:p>
+          <a:p>
+            <a:pPr marL="0" indent="0">
+              <a:buNone/>
+            </a:pPr>
+            <a:r>
+              <a:rPr lang="en-US" dirty="0"/>
+              <a:t>5. Procure pricing data of each model of treadmill to build a model to predict optimal pricing</a:t>
+            </a:r>
+          </a:p>
+          <a:p>
+            <a:pPr marL="0" indent="0">
+              <a:buNone/>
+            </a:pPr>
+            <a:r>
+              <a:rPr lang="en-US" dirty="0"/>
+              <a:t>6. The majority of customers are already in good shape, consider stronger marketing efforts to customers who are looking to get in shape</a:t>
+            </a:r>
+          </a:p>
+        </p:txBody>
+      </p:sp>
+    </p:spTree>
+    <p:extLst>
+      <p:ext uri="{BB962C8B-B14F-4D97-AF65-F5344CB8AC3E}">
+        <p14:creationId xmlns:p14="http://schemas.microsoft.com/office/powerpoint/2010/main" val="4149317029"/>
+      </p:ext>
+    </p:extLst>
+  </p:cSld>
+  <p:clrMapOvr>
+    <a:masterClrMapping/>
+  </p:clrMapOvr>
+</p:sld>
+</file>
+
 <file path=ppt/slides/slide2.xml><?xml version="1.0" encoding="utf-8"?>
 <p:sld xmlns:a="http://schemas.openxmlformats.org/drawingml/2006/main" xmlns:r="http://schemas.openxmlformats.org/officeDocument/2006/relationships" xmlns:p="http://schemas.openxmlformats.org/presentationml/2006/main">
   <p:cSld>
@@ -7390,8 +8423,8 @@
         </p:nvSpPr>
         <p:spPr>
           <a:xfrm>
-            <a:off x="677334" y="1696039"/>
-            <a:ext cx="8259417" cy="369332"/>
+            <a:off x="337930" y="1696039"/>
+            <a:ext cx="9809922" cy="369332"/>
           </a:xfrm>
           <a:prstGeom prst="rect">
             <a:avLst/>
@@ -7406,7 +8439,7 @@
           <a:p>
             <a:r>
               <a:rPr lang="en-US" dirty="0"/>
-              <a:t>Continuing from the previous slide, let’s now examine income and miles</a:t>
+              <a:t>Continuing from the previous slide, let’s now examine product, gender, and marital status</a:t>
             </a:r>
           </a:p>
         </p:txBody>
@@ -7505,6 +8538,411 @@
     <p:extLst>
       <p:ext uri="{BB962C8B-B14F-4D97-AF65-F5344CB8AC3E}">
         <p14:creationId xmlns:p14="http://schemas.microsoft.com/office/powerpoint/2010/main" val="1811712487"/>
+      </p:ext>
+    </p:extLst>
+  </p:cSld>
+  <p:clrMapOvr>
+    <a:masterClrMapping/>
+  </p:clrMapOvr>
+</p:sld>
+</file>
+
+<file path=ppt/slides/slide8.xml><?xml version="1.0" encoding="utf-8"?>
+<p:sld xmlns:a="http://schemas.openxmlformats.org/drawingml/2006/main" xmlns:r="http://schemas.openxmlformats.org/officeDocument/2006/relationships" xmlns:p="http://schemas.openxmlformats.org/presentationml/2006/main">
+  <p:cSld>
+    <p:spTree>
+      <p:nvGrpSpPr>
+        <p:cNvPr id="1" name=""/>
+        <p:cNvGrpSpPr/>
+        <p:nvPr/>
+      </p:nvGrpSpPr>
+      <p:grpSpPr>
+        <a:xfrm>
+          <a:off x="0" y="0"/>
+          <a:ext cx="0" cy="0"/>
+          <a:chOff x="0" y="0"/>
+          <a:chExt cx="0" cy="0"/>
+        </a:xfrm>
+      </p:grpSpPr>
+      <p:sp>
+        <p:nvSpPr>
+          <p:cNvPr id="2" name="Title 1">
+            <a:extLst>
+              <a:ext uri="{FF2B5EF4-FFF2-40B4-BE49-F238E27FC236}">
+                <a16:creationId xmlns:a16="http://schemas.microsoft.com/office/drawing/2014/main" id="{4B62A7E9-420E-0944-B45C-03CB53B6A674}"/>
+              </a:ext>
+            </a:extLst>
+          </p:cNvPr>
+          <p:cNvSpPr>
+            <a:spLocks noGrp="1"/>
+          </p:cNvSpPr>
+          <p:nvPr>
+            <p:ph type="title"/>
+          </p:nvPr>
+        </p:nvSpPr>
+        <p:spPr>
+          <a:xfrm>
+            <a:off x="677334" y="609600"/>
+            <a:ext cx="8735023" cy="692426"/>
+          </a:xfrm>
+        </p:spPr>
+        <p:txBody>
+          <a:bodyPr>
+            <a:normAutofit fontScale="90000"/>
+          </a:bodyPr>
+          <a:lstStyle/>
+          <a:p>
+            <a:r>
+              <a:rPr lang="en-US" dirty="0"/>
+              <a:t>Exploratory Data Analysis – Correlation Matrix</a:t>
+            </a:r>
+          </a:p>
+        </p:txBody>
+      </p:sp>
+      <p:sp>
+        <p:nvSpPr>
+          <p:cNvPr id="8" name="TextBox 7">
+            <a:extLst>
+              <a:ext uri="{FF2B5EF4-FFF2-40B4-BE49-F238E27FC236}">
+                <a16:creationId xmlns:a16="http://schemas.microsoft.com/office/drawing/2014/main" id="{5829E346-6ADA-C44B-8B43-80BC355B1929}"/>
+              </a:ext>
+            </a:extLst>
+          </p:cNvPr>
+          <p:cNvSpPr txBox="1"/>
+          <p:nvPr/>
+        </p:nvSpPr>
+        <p:spPr>
+          <a:xfrm>
+            <a:off x="5400262" y="1386408"/>
+            <a:ext cx="4369904" cy="2862322"/>
+          </a:xfrm>
+          <a:prstGeom prst="rect">
+            <a:avLst/>
+          </a:prstGeom>
+          <a:noFill/>
+        </p:spPr>
+        <p:txBody>
+          <a:bodyPr wrap="square" rtlCol="0">
+            <a:spAutoFit/>
+          </a:bodyPr>
+          <a:lstStyle/>
+          <a:p>
+            <a:r>
+              <a:rPr lang="en-US" sz="1500" dirty="0"/>
+              <a:t>Observations:</a:t>
+            </a:r>
+          </a:p>
+          <a:p>
+            <a:pPr marL="285750" indent="-285750">
+              <a:buFontTx/>
+              <a:buChar char="-"/>
+            </a:pPr>
+            <a:r>
+              <a:rPr lang="en-US" sz="1500" dirty="0"/>
+              <a:t>Age carries a strong negative correlation with fitness, usage, and miles</a:t>
+            </a:r>
+          </a:p>
+          <a:p>
+            <a:pPr marL="285750" indent="-285750">
+              <a:buFontTx/>
+              <a:buChar char="-"/>
+            </a:pPr>
+            <a:r>
+              <a:rPr lang="en-US" sz="1500" dirty="0"/>
+              <a:t>Usage, fitness, and miles are strongly correlated with each other, making them the key variables to examine</a:t>
+            </a:r>
+          </a:p>
+          <a:p>
+            <a:pPr marL="285750" indent="-285750">
+              <a:buFontTx/>
+              <a:buChar char="-"/>
+            </a:pPr>
+            <a:r>
+              <a:rPr lang="en-US" sz="1500" dirty="0"/>
+              <a:t>Income and education are also slightly positively correlated</a:t>
+            </a:r>
+          </a:p>
+          <a:p>
+            <a:pPr marL="285750" indent="-285750">
+              <a:buFontTx/>
+              <a:buChar char="-"/>
+            </a:pPr>
+            <a:r>
+              <a:rPr lang="en-US" sz="1500" dirty="0"/>
+              <a:t>Beyond these observations, no strong correlations seem to exist</a:t>
+            </a:r>
+          </a:p>
+          <a:p>
+            <a:endParaRPr lang="en-US" sz="1500" dirty="0"/>
+          </a:p>
+          <a:p>
+            <a:pPr marL="285750" indent="-285750">
+              <a:buFontTx/>
+              <a:buChar char="-"/>
+            </a:pPr>
+            <a:endParaRPr lang="en-US" sz="1500" dirty="0"/>
+          </a:p>
+        </p:txBody>
+      </p:sp>
+      <p:pic>
+        <p:nvPicPr>
+          <p:cNvPr id="5" name="Picture 4" descr="A picture containing background pattern&#10;&#10;Description automatically generated">
+            <a:extLst>
+              <a:ext uri="{FF2B5EF4-FFF2-40B4-BE49-F238E27FC236}">
+                <a16:creationId xmlns:a16="http://schemas.microsoft.com/office/drawing/2014/main" id="{60E37BE1-49BF-C847-BF39-D34EE2C45221}"/>
+              </a:ext>
+            </a:extLst>
+          </p:cNvPr>
+          <p:cNvPicPr>
+            <a:picLocks noChangeAspect="1"/>
+          </p:cNvPicPr>
+          <p:nvPr/>
+        </p:nvPicPr>
+        <p:blipFill>
+          <a:blip r:embed="rId2"/>
+          <a:stretch>
+            <a:fillRect/>
+          </a:stretch>
+        </p:blipFill>
+        <p:spPr>
+          <a:xfrm>
+            <a:off x="249951" y="1386408"/>
+            <a:ext cx="5053349" cy="4085184"/>
+          </a:xfrm>
+          <a:prstGeom prst="rect">
+            <a:avLst/>
+          </a:prstGeom>
+        </p:spPr>
+      </p:pic>
+      <p:sp>
+        <p:nvSpPr>
+          <p:cNvPr id="11" name="TextBox 10">
+            <a:extLst>
+              <a:ext uri="{FF2B5EF4-FFF2-40B4-BE49-F238E27FC236}">
+                <a16:creationId xmlns:a16="http://schemas.microsoft.com/office/drawing/2014/main" id="{5C2839B0-7F6A-6847-B6F0-C159FEA066A8}"/>
+              </a:ext>
+            </a:extLst>
+          </p:cNvPr>
+          <p:cNvSpPr txBox="1"/>
+          <p:nvPr/>
+        </p:nvSpPr>
+        <p:spPr>
+          <a:xfrm>
+            <a:off x="5400262" y="3824808"/>
+            <a:ext cx="4369904" cy="1708160"/>
+          </a:xfrm>
+          <a:prstGeom prst="rect">
+            <a:avLst/>
+          </a:prstGeom>
+          <a:noFill/>
+        </p:spPr>
+        <p:txBody>
+          <a:bodyPr wrap="square" rtlCol="0">
+            <a:spAutoFit/>
+          </a:bodyPr>
+          <a:lstStyle/>
+          <a:p>
+            <a:r>
+              <a:rPr lang="en-US" sz="1500" dirty="0"/>
+              <a:t>Key Takeaways:</a:t>
+            </a:r>
+          </a:p>
+          <a:p>
+            <a:pPr marL="285750" indent="-285750">
+              <a:buFontTx/>
+              <a:buChar char="-"/>
+            </a:pPr>
+            <a:r>
+              <a:rPr lang="en-US" sz="1500" dirty="0"/>
+              <a:t>The older a customer gets, the lower their fitness, usage, and mileage rate drops</a:t>
+            </a:r>
+          </a:p>
+          <a:p>
+            <a:pPr marL="285750" indent="-285750">
+              <a:buFontTx/>
+              <a:buChar char="-"/>
+            </a:pPr>
+            <a:r>
+              <a:rPr lang="en-US" sz="1500" dirty="0"/>
+              <a:t>Most customers are fit, run a lot, and have high usage rates</a:t>
+            </a:r>
+          </a:p>
+          <a:p>
+            <a:endParaRPr lang="en-US" sz="1500" dirty="0"/>
+          </a:p>
+          <a:p>
+            <a:pPr marL="285750" indent="-285750">
+              <a:buFontTx/>
+              <a:buChar char="-"/>
+            </a:pPr>
+            <a:endParaRPr lang="en-US" sz="1500" dirty="0"/>
+          </a:p>
+        </p:txBody>
+      </p:sp>
+    </p:spTree>
+    <p:extLst>
+      <p:ext uri="{BB962C8B-B14F-4D97-AF65-F5344CB8AC3E}">
+        <p14:creationId xmlns:p14="http://schemas.microsoft.com/office/powerpoint/2010/main" val="1833515650"/>
+      </p:ext>
+    </p:extLst>
+  </p:cSld>
+  <p:clrMapOvr>
+    <a:masterClrMapping/>
+  </p:clrMapOvr>
+</p:sld>
+</file>
+
+<file path=ppt/slides/slide9.xml><?xml version="1.0" encoding="utf-8"?>
+<p:sld xmlns:a="http://schemas.openxmlformats.org/drawingml/2006/main" xmlns:r="http://schemas.openxmlformats.org/officeDocument/2006/relationships" xmlns:p="http://schemas.openxmlformats.org/presentationml/2006/main">
+  <p:cSld>
+    <p:spTree>
+      <p:nvGrpSpPr>
+        <p:cNvPr id="1" name=""/>
+        <p:cNvGrpSpPr/>
+        <p:nvPr/>
+      </p:nvGrpSpPr>
+      <p:grpSpPr>
+        <a:xfrm>
+          <a:off x="0" y="0"/>
+          <a:ext cx="0" cy="0"/>
+          <a:chOff x="0" y="0"/>
+          <a:chExt cx="0" cy="0"/>
+        </a:xfrm>
+      </p:grpSpPr>
+      <p:sp>
+        <p:nvSpPr>
+          <p:cNvPr id="2" name="Title 1">
+            <a:extLst>
+              <a:ext uri="{FF2B5EF4-FFF2-40B4-BE49-F238E27FC236}">
+                <a16:creationId xmlns:a16="http://schemas.microsoft.com/office/drawing/2014/main" id="{4B62A7E9-420E-0944-B45C-03CB53B6A674}"/>
+              </a:ext>
+            </a:extLst>
+          </p:cNvPr>
+          <p:cNvSpPr>
+            <a:spLocks noGrp="1"/>
+          </p:cNvSpPr>
+          <p:nvPr>
+            <p:ph type="title"/>
+          </p:nvPr>
+        </p:nvSpPr>
+        <p:spPr>
+          <a:xfrm>
+            <a:off x="427382" y="609600"/>
+            <a:ext cx="9342783" cy="692426"/>
+          </a:xfrm>
+        </p:spPr>
+        <p:txBody>
+          <a:bodyPr>
+            <a:normAutofit fontScale="90000"/>
+          </a:bodyPr>
+          <a:lstStyle/>
+          <a:p>
+            <a:r>
+              <a:rPr lang="en-US" dirty="0"/>
+              <a:t>Exploratory Data Analysis – Usage Across Products</a:t>
+            </a:r>
+          </a:p>
+        </p:txBody>
+      </p:sp>
+      <p:sp>
+        <p:nvSpPr>
+          <p:cNvPr id="11" name="TextBox 10">
+            <a:extLst>
+              <a:ext uri="{FF2B5EF4-FFF2-40B4-BE49-F238E27FC236}">
+                <a16:creationId xmlns:a16="http://schemas.microsoft.com/office/drawing/2014/main" id="{5C2839B0-7F6A-6847-B6F0-C159FEA066A8}"/>
+              </a:ext>
+            </a:extLst>
+          </p:cNvPr>
+          <p:cNvSpPr txBox="1"/>
+          <p:nvPr/>
+        </p:nvSpPr>
+        <p:spPr>
+          <a:xfrm>
+            <a:off x="790162" y="5194907"/>
+            <a:ext cx="8408504" cy="1708160"/>
+          </a:xfrm>
+          <a:prstGeom prst="rect">
+            <a:avLst/>
+          </a:prstGeom>
+          <a:noFill/>
+        </p:spPr>
+        <p:txBody>
+          <a:bodyPr wrap="square" rtlCol="0">
+            <a:spAutoFit/>
+          </a:bodyPr>
+          <a:lstStyle/>
+          <a:p>
+            <a:r>
+              <a:rPr lang="en-US" sz="1500" dirty="0"/>
+              <a:t>Observations:</a:t>
+            </a:r>
+          </a:p>
+          <a:p>
+            <a:pPr marL="285750" indent="-285750">
+              <a:buFontTx/>
+              <a:buChar char="-"/>
+            </a:pPr>
+            <a:r>
+              <a:rPr lang="en-US" sz="1500" dirty="0"/>
+              <a:t>Despite having the lowest sales, the TM798 is strongly preferred by customers with high usage rates</a:t>
+            </a:r>
+          </a:p>
+          <a:p>
+            <a:pPr marL="285750" indent="-285750">
+              <a:buFontTx/>
+              <a:buChar char="-"/>
+            </a:pPr>
+            <a:r>
+              <a:rPr lang="en-US" sz="1500" dirty="0"/>
+              <a:t>The TM498 customers have the smallest range of usage rates, suggesting that they are the most casual users</a:t>
+            </a:r>
+          </a:p>
+          <a:p>
+            <a:endParaRPr lang="en-US" sz="1500" dirty="0"/>
+          </a:p>
+          <a:p>
+            <a:pPr marL="285750" indent="-285750">
+              <a:buFontTx/>
+              <a:buChar char="-"/>
+            </a:pPr>
+            <a:endParaRPr lang="en-US" sz="1500" dirty="0"/>
+          </a:p>
+        </p:txBody>
+      </p:sp>
+      <p:pic>
+        <p:nvPicPr>
+          <p:cNvPr id="4" name="Picture 3" descr="Chart, bar chart, box and whisker chart&#10;&#10;Description automatically generated">
+            <a:extLst>
+              <a:ext uri="{FF2B5EF4-FFF2-40B4-BE49-F238E27FC236}">
+                <a16:creationId xmlns:a16="http://schemas.microsoft.com/office/drawing/2014/main" id="{903F1752-672A-694D-934D-3BD46705DA42}"/>
+              </a:ext>
+            </a:extLst>
+          </p:cNvPr>
+          <p:cNvPicPr>
+            <a:picLocks noChangeAspect="1"/>
+          </p:cNvPicPr>
+          <p:nvPr/>
+        </p:nvPicPr>
+        <p:blipFill>
+          <a:blip r:embed="rId2"/>
+          <a:stretch>
+            <a:fillRect/>
+          </a:stretch>
+        </p:blipFill>
+        <p:spPr>
+          <a:xfrm>
+            <a:off x="1152940" y="1302026"/>
+            <a:ext cx="7682948" cy="3810926"/>
+          </a:xfrm>
+          <a:prstGeom prst="rect">
+            <a:avLst/>
+          </a:prstGeom>
+        </p:spPr>
+      </p:pic>
+    </p:spTree>
+    <p:extLst>
+      <p:ext uri="{BB962C8B-B14F-4D97-AF65-F5344CB8AC3E}">
+        <p14:creationId xmlns:p14="http://schemas.microsoft.com/office/powerpoint/2010/main" val="3461105115"/>
       </p:ext>
     </p:extLst>
   </p:cSld>

--- a/Module 1/Project/CardioGoodFitnessProject.pptx
+++ b/Module 1/Project/CardioGoodFitnessProject.pptx
@@ -6275,7 +6275,7 @@
             </a:pPr>
             <a:r>
               <a:rPr lang="en-US" sz="1500" dirty="0"/>
-              <a:t>No obvious trend emerges from gender; male and female stats appear similar</a:t>
+              <a:t>No obvious trend emerges from gender; male and female trends appear similar</a:t>
             </a:r>
           </a:p>
           <a:p>
@@ -7791,7 +7791,7 @@
           <a:p>
             <a:r>
               <a:rPr lang="en-US" dirty="0"/>
-              <a:t>In order to build out a customer profile, let’s examine some basic variables, starting with Age and Education</a:t>
+              <a:t>In order to build out a customer profile, let’s examine some basic variables, starting with age and education</a:t>
             </a:r>
           </a:p>
         </p:txBody>
